--- a/Clase3/Clase 3.pptx
+++ b/Clase3/Clase 3.pptx
@@ -8969,7 +8969,7 @@
               <a:t>Cada elemento del menú debe hacer que pueda ir hasta el siguiente </a:t>
             </a:r>
             <a:r>
-              <a:rPr lang="es-ES" smtClean="0"/>
+              <a:rPr lang="es-ES" dirty="0" err="1" smtClean="0"/>
               <a:t>fragment</a:t>
             </a:r>
             <a:endParaRPr lang="en-US" dirty="0"/>
